--- a/강의자료/인사이드 자바스크립트 cpt3.pptx
+++ b/강의자료/인사이드 자바스크립트 cpt3.pptx
@@ -283,7 +283,7 @@
           <a:p>
             <a:fld id="{7555C815-9EFE-49A5-9DE2-8B63557CACB2}" type="datetimeFigureOut">
               <a:rPr lang="ko-KR" altLang="en-US" smtClean="0"/>
-              <a:t>2017-03-25</a:t>
+              <a:t>2017. 3. 26.</a:t>
             </a:fld>
             <a:endParaRPr lang="ko-KR" altLang="en-US"/>
           </a:p>
@@ -453,7 +453,7 @@
           <a:p>
             <a:fld id="{7555C815-9EFE-49A5-9DE2-8B63557CACB2}" type="datetimeFigureOut">
               <a:rPr lang="ko-KR" altLang="en-US" smtClean="0"/>
-              <a:t>2017-03-25</a:t>
+              <a:t>2017. 3. 26.</a:t>
             </a:fld>
             <a:endParaRPr lang="ko-KR" altLang="en-US"/>
           </a:p>
@@ -633,7 +633,7 @@
           <a:p>
             <a:fld id="{7555C815-9EFE-49A5-9DE2-8B63557CACB2}" type="datetimeFigureOut">
               <a:rPr lang="ko-KR" altLang="en-US" smtClean="0"/>
-              <a:t>2017-03-25</a:t>
+              <a:t>2017. 3. 26.</a:t>
             </a:fld>
             <a:endParaRPr lang="ko-KR" altLang="en-US"/>
           </a:p>
@@ -803,7 +803,7 @@
           <a:p>
             <a:fld id="{7555C815-9EFE-49A5-9DE2-8B63557CACB2}" type="datetimeFigureOut">
               <a:rPr lang="ko-KR" altLang="en-US" smtClean="0"/>
-              <a:t>2017-03-25</a:t>
+              <a:t>2017. 3. 26.</a:t>
             </a:fld>
             <a:endParaRPr lang="ko-KR" altLang="en-US"/>
           </a:p>
@@ -1049,7 +1049,7 @@
           <a:p>
             <a:fld id="{7555C815-9EFE-49A5-9DE2-8B63557CACB2}" type="datetimeFigureOut">
               <a:rPr lang="ko-KR" altLang="en-US" smtClean="0"/>
-              <a:t>2017-03-25</a:t>
+              <a:t>2017. 3. 26.</a:t>
             </a:fld>
             <a:endParaRPr lang="ko-KR" altLang="en-US"/>
           </a:p>
@@ -1281,7 +1281,7 @@
           <a:p>
             <a:fld id="{7555C815-9EFE-49A5-9DE2-8B63557CACB2}" type="datetimeFigureOut">
               <a:rPr lang="ko-KR" altLang="en-US" smtClean="0"/>
-              <a:t>2017-03-25</a:t>
+              <a:t>2017. 3. 26.</a:t>
             </a:fld>
             <a:endParaRPr lang="ko-KR" altLang="en-US"/>
           </a:p>
@@ -1648,7 +1648,7 @@
           <a:p>
             <a:fld id="{7555C815-9EFE-49A5-9DE2-8B63557CACB2}" type="datetimeFigureOut">
               <a:rPr lang="ko-KR" altLang="en-US" smtClean="0"/>
-              <a:t>2017-03-25</a:t>
+              <a:t>2017. 3. 26.</a:t>
             </a:fld>
             <a:endParaRPr lang="ko-KR" altLang="en-US"/>
           </a:p>
@@ -1766,7 +1766,7 @@
           <a:p>
             <a:fld id="{7555C815-9EFE-49A5-9DE2-8B63557CACB2}" type="datetimeFigureOut">
               <a:rPr lang="ko-KR" altLang="en-US" smtClean="0"/>
-              <a:t>2017-03-25</a:t>
+              <a:t>2017. 3. 26.</a:t>
             </a:fld>
             <a:endParaRPr lang="ko-KR" altLang="en-US"/>
           </a:p>
@@ -1861,7 +1861,7 @@
           <a:p>
             <a:fld id="{7555C815-9EFE-49A5-9DE2-8B63557CACB2}" type="datetimeFigureOut">
               <a:rPr lang="ko-KR" altLang="en-US" smtClean="0"/>
-              <a:t>2017-03-25</a:t>
+              <a:t>2017. 3. 26.</a:t>
             </a:fld>
             <a:endParaRPr lang="ko-KR" altLang="en-US"/>
           </a:p>
@@ -2138,7 +2138,7 @@
           <a:p>
             <a:fld id="{7555C815-9EFE-49A5-9DE2-8B63557CACB2}" type="datetimeFigureOut">
               <a:rPr lang="ko-KR" altLang="en-US" smtClean="0"/>
-              <a:t>2017-03-25</a:t>
+              <a:t>2017. 3. 26.</a:t>
             </a:fld>
             <a:endParaRPr lang="ko-KR" altLang="en-US"/>
           </a:p>
@@ -2391,7 +2391,7 @@
           <a:p>
             <a:fld id="{7555C815-9EFE-49A5-9DE2-8B63557CACB2}" type="datetimeFigureOut">
               <a:rPr lang="ko-KR" altLang="en-US" smtClean="0"/>
-              <a:t>2017-03-25</a:t>
+              <a:t>2017. 3. 26.</a:t>
             </a:fld>
             <a:endParaRPr lang="ko-KR" altLang="en-US"/>
           </a:p>
@@ -2604,7 +2604,7 @@
           <a:p>
             <a:fld id="{7555C815-9EFE-49A5-9DE2-8B63557CACB2}" type="datetimeFigureOut">
               <a:rPr lang="ko-KR" altLang="en-US" smtClean="0"/>
-              <a:t>2017-03-25</a:t>
+              <a:t>2017. 3. 26.</a:t>
             </a:fld>
             <a:endParaRPr lang="ko-KR" altLang="en-US"/>
           </a:p>
@@ -3446,11 +3446,7 @@
             </a:r>
             <a:r>
               <a:rPr lang="ko-KR" altLang="en-US" dirty="0" smtClean="0"/>
-              <a:t>          를 저장하는 </a:t>
-            </a:r>
-            <a:r>
-              <a:rPr lang="ko-KR" altLang="en-US" dirty="0" smtClean="0"/>
-              <a:t>컨테이너</a:t>
+              <a:t>          를 저장하는 컨테이너</a:t>
             </a:r>
             <a:endParaRPr lang="en-US" altLang="ko-KR" dirty="0" smtClean="0"/>
           </a:p>
@@ -3482,7 +3478,6 @@
               <a:rPr lang="en-US" altLang="ko-KR" dirty="0" smtClean="0"/>
               <a:t>.</a:t>
             </a:r>
-            <a:endParaRPr lang="en-US" altLang="ko-KR" dirty="0" smtClean="0"/>
           </a:p>
           <a:p>
             <a:pPr marL="0" indent="0">
@@ -3791,11 +3786,7 @@
             </a:pPr>
             <a:r>
               <a:rPr lang="en-US" altLang="ko-KR" dirty="0" smtClean="0"/>
-              <a:t> </a:t>
-            </a:r>
-            <a:r>
-              <a:rPr lang="en-US" altLang="ko-KR" dirty="0" smtClean="0"/>
-              <a:t>name, age, </a:t>
+              <a:t> name, age, </a:t>
             </a:r>
             <a:r>
               <a:rPr lang="en-US" altLang="ko-KR" dirty="0" err="1" smtClean="0"/>
@@ -4422,11 +4413,7 @@
             </a:r>
             <a:r>
               <a:rPr lang="ko-KR" altLang="en-US" dirty="0" smtClean="0"/>
-              <a:t> </a:t>
-            </a:r>
-            <a:r>
-              <a:rPr lang="ko-KR" altLang="en-US" dirty="0" smtClean="0"/>
-              <a:t>이름 </a:t>
+              <a:t> 이름 </a:t>
             </a:r>
             <a:r>
               <a:rPr lang="en-US" altLang="ko-KR" dirty="0" smtClean="0"/>
@@ -4442,11 +4429,7 @@
             </a:r>
             <a:r>
               <a:rPr lang="ko-KR" altLang="en-US" dirty="0" smtClean="0"/>
-              <a:t> </a:t>
-            </a:r>
-            <a:r>
-              <a:rPr lang="ko-KR" altLang="en-US" dirty="0" smtClean="0"/>
-              <a:t>값</a:t>
+              <a:t> 값</a:t>
             </a:r>
             <a:r>
               <a:rPr lang="en-US" altLang="ko-KR" dirty="0" smtClean="0"/>
@@ -4454,11 +4437,7 @@
             </a:r>
             <a:r>
               <a:rPr lang="ko-KR" altLang="en-US" dirty="0" smtClean="0"/>
-              <a:t> </a:t>
-            </a:r>
-            <a:r>
-              <a:rPr lang="ko-KR" altLang="en-US" dirty="0" smtClean="0"/>
-              <a:t>형태로 표현한다</a:t>
+              <a:t> 형태로 표현한다</a:t>
             </a:r>
             <a:r>
               <a:rPr lang="en-US" altLang="ko-KR" dirty="0" smtClean="0"/>
@@ -4575,6 +4554,14 @@
   <p:clrMapOvr>
     <a:masterClrMapping/>
   </p:clrMapOvr>
+  <mc:AlternateContent xmlns:mc="http://schemas.openxmlformats.org/markup-compatibility/2006">
+    <mc:Choice xmlns:p14="http://schemas.microsoft.com/office/powerpoint/2010/main" Requires="p14">
+      <p:transition spd="slow" p14:dur="2000"/>
+    </mc:Choice>
+    <mc:Fallback>
+      <p:transition spd="slow"/>
+    </mc:Fallback>
+  </mc:AlternateContent>
   <p:timing>
     <p:tnLst>
       <p:par>
@@ -5308,11 +5295,7 @@
             </a:r>
             <a:r>
               <a:rPr lang="en-US" altLang="ko-KR" dirty="0" smtClean="0"/>
-              <a:t>-name</a:t>
-            </a:r>
-            <a:r>
-              <a:rPr lang="en-US" altLang="ko-KR" dirty="0" smtClean="0"/>
-              <a:t>); //</a:t>
+              <a:t>-name); //</a:t>
             </a:r>
             <a:r>
               <a:rPr lang="en-US" altLang="ko-KR" dirty="0" err="1" smtClean="0"/>
@@ -7392,11 +7375,7 @@
             </a:r>
             <a:r>
               <a:rPr lang="en-US" altLang="ko-KR" dirty="0" smtClean="0"/>
-              <a:t>(foo</a:t>
-            </a:r>
-            <a:r>
-              <a:rPr lang="en-US" altLang="ko-KR" dirty="0" smtClean="0"/>
-              <a:t>);</a:t>
+              <a:t>(foo);</a:t>
             </a:r>
           </a:p>
           <a:p>
@@ -7421,7 +7400,6 @@
               <a:rPr lang="en-US" altLang="ko-KR" dirty="0" smtClean="0"/>
               <a:t>^_^</a:t>
             </a:r>
-            <a:endParaRPr lang="en-US" altLang="ko-KR" dirty="0" smtClean="0"/>
           </a:p>
           <a:p>
             <a:pPr marL="0" indent="0">
@@ -7550,14 +7528,14 @@
                 <a:gridCol w="5351648">
                   <a:extLst>
                     <a:ext uri="{9D8B030D-6E8A-4147-A177-3AD203B41FA5}">
-                      <a16:colId xmlns:a16="http://schemas.microsoft.com/office/drawing/2014/main" val="2156887075"/>
+                      <a16:colId xmlns:a16="http://schemas.microsoft.com/office/drawing/2014/main" xmlns="" val="2156887075"/>
                     </a:ext>
                   </a:extLst>
                 </a:gridCol>
                 <a:gridCol w="5351648">
                   <a:extLst>
                     <a:ext uri="{9D8B030D-6E8A-4147-A177-3AD203B41FA5}">
-                      <a16:colId xmlns:a16="http://schemas.microsoft.com/office/drawing/2014/main" val="4118004302"/>
+                      <a16:colId xmlns:a16="http://schemas.microsoft.com/office/drawing/2014/main" xmlns="" val="4118004302"/>
                     </a:ext>
                   </a:extLst>
                 </a:gridCol>
@@ -7617,7 +7595,7 @@
                 </a:tc>
                 <a:extLst>
                   <a:ext uri="{0D108BD9-81ED-4DB2-BD59-A6C34878D82A}">
-                    <a16:rowId xmlns:a16="http://schemas.microsoft.com/office/drawing/2014/main" val="1327566299"/>
+                    <a16:rowId xmlns:a16="http://schemas.microsoft.com/office/drawing/2014/main" xmlns="" val="1327566299"/>
                   </a:ext>
                 </a:extLst>
               </a:tr>
@@ -7666,7 +7644,7 @@
                 </a:tc>
                 <a:extLst>
                   <a:ext uri="{0D108BD9-81ED-4DB2-BD59-A6C34878D82A}">
-                    <a16:rowId xmlns:a16="http://schemas.microsoft.com/office/drawing/2014/main" val="3374601059"/>
+                    <a16:rowId xmlns:a16="http://schemas.microsoft.com/office/drawing/2014/main" xmlns="" val="3374601059"/>
                   </a:ext>
                 </a:extLst>
               </a:tr>
@@ -7719,7 +7697,7 @@
                 </a:tc>
                 <a:extLst>
                   <a:ext uri="{0D108BD9-81ED-4DB2-BD59-A6C34878D82A}">
-                    <a16:rowId xmlns:a16="http://schemas.microsoft.com/office/drawing/2014/main" val="3501054159"/>
+                    <a16:rowId xmlns:a16="http://schemas.microsoft.com/office/drawing/2014/main" xmlns="" val="3501054159"/>
                   </a:ext>
                 </a:extLst>
               </a:tr>
@@ -8445,11 +8423,7 @@
             </a:r>
             <a:r>
               <a:rPr lang="ko-KR" altLang="en-US" dirty="0" smtClean="0"/>
-              <a:t> 배열 내 </a:t>
-            </a:r>
-            <a:r>
-              <a:rPr lang="ko-KR" altLang="en-US" dirty="0" smtClean="0"/>
-              <a:t>가장 큰 인덱스</a:t>
+              <a:t> 배열 내 가장 큰 인덱스</a:t>
             </a:r>
             <a:r>
               <a:rPr lang="en-US" altLang="ko-KR" dirty="0" smtClean="0"/>
@@ -8471,7 +8445,6 @@
               <a:rPr lang="en-US" altLang="ko-KR" dirty="0" smtClean="0"/>
               <a:t>.</a:t>
             </a:r>
-            <a:endParaRPr lang="en-US" altLang="ko-KR" dirty="0" smtClean="0"/>
           </a:p>
           <a:p>
             <a:pPr marL="0" indent="0">
@@ -8626,14 +8599,14 @@
                 <a:gridCol w="5257800">
                   <a:extLst>
                     <a:ext uri="{9D8B030D-6E8A-4147-A177-3AD203B41FA5}">
-                      <a16:colId xmlns:a16="http://schemas.microsoft.com/office/drawing/2014/main" val="2156887075"/>
+                      <a16:colId xmlns:a16="http://schemas.microsoft.com/office/drawing/2014/main" xmlns="" val="2156887075"/>
                     </a:ext>
                   </a:extLst>
                 </a:gridCol>
                 <a:gridCol w="5257800">
                   <a:extLst>
                     <a:ext uri="{9D8B030D-6E8A-4147-A177-3AD203B41FA5}">
-                      <a16:colId xmlns:a16="http://schemas.microsoft.com/office/drawing/2014/main" val="4118004302"/>
+                      <a16:colId xmlns:a16="http://schemas.microsoft.com/office/drawing/2014/main" xmlns="" val="4118004302"/>
                     </a:ext>
                   </a:extLst>
                 </a:gridCol>
@@ -8693,7 +8666,7 @@
                 </a:tc>
                 <a:extLst>
                   <a:ext uri="{0D108BD9-81ED-4DB2-BD59-A6C34878D82A}">
-                    <a16:rowId xmlns:a16="http://schemas.microsoft.com/office/drawing/2014/main" val="1327566299"/>
+                    <a16:rowId xmlns:a16="http://schemas.microsoft.com/office/drawing/2014/main" xmlns="" val="1327566299"/>
                   </a:ext>
                 </a:extLst>
               </a:tr>
@@ -8721,11 +8694,7 @@
                       </a:r>
                       <a:r>
                         <a:rPr lang="en-US" altLang="ko-KR" sz="3600" baseline="0" dirty="0" smtClean="0"/>
-                        <a:t> </a:t>
-                      </a:r>
-                      <a:r>
-                        <a:rPr lang="en-US" altLang="ko-KR" sz="3600" baseline="0" dirty="0" smtClean="0"/>
-                        <a:t>…</a:t>
+                        <a:t> …</a:t>
                       </a:r>
                     </a:p>
                     <a:p>
@@ -8756,7 +8725,7 @@
                 </a:tc>
                 <a:extLst>
                   <a:ext uri="{0D108BD9-81ED-4DB2-BD59-A6C34878D82A}">
-                    <a16:rowId xmlns:a16="http://schemas.microsoft.com/office/drawing/2014/main" val="3374601059"/>
+                    <a16:rowId xmlns:a16="http://schemas.microsoft.com/office/drawing/2014/main" xmlns="" val="3374601059"/>
                   </a:ext>
                 </a:extLst>
               </a:tr>
@@ -9068,11 +9037,7 @@
             </a:pPr>
             <a:r>
               <a:rPr lang="ko-KR" altLang="en-US" dirty="0" smtClean="0"/>
-              <a:t>배열도 </a:t>
-            </a:r>
-            <a:r>
-              <a:rPr lang="ko-KR" altLang="en-US" dirty="0" smtClean="0"/>
-              <a:t>자바스크립트의 객체이기 때문에 값이 없는 원소에 접근할 경우 </a:t>
+              <a:t>배열도 자바스크립트의 객체이기 때문에 값이 없는 원소에 접근할 경우 </a:t>
             </a:r>
             <a:r>
               <a:rPr lang="en-US" altLang="ko-KR" dirty="0" smtClean="0"/>
@@ -9469,13 +9434,8 @@
             </a:r>
             <a:r>
               <a:rPr lang="en-US" altLang="ko-KR" dirty="0" smtClean="0"/>
-              <a:t> = </a:t>
-            </a:r>
-            <a:r>
-              <a:rPr lang="en-US" altLang="ko-KR" dirty="0" smtClean="0"/>
-              <a:t>6;</a:t>
-            </a:r>
-            <a:endParaRPr lang="en-US" altLang="ko-KR" dirty="0" smtClean="0"/>
+              <a:t> = 6;</a:t>
+            </a:r>
           </a:p>
           <a:p>
             <a:pPr marL="0" indent="0">
@@ -10167,6 +10127,13 @@
   <p:clrMapOvr>
     <a:masterClrMapping/>
   </p:clrMapOvr>
+  <p:timing>
+    <p:tnLst>
+      <p:par>
+        <p:cTn id="1" dur="indefinite" restart="never" nodeType="tmRoot"/>
+      </p:par>
+    </p:tnLst>
+  </p:timing>
 </p:sld>
 </file>
 
@@ -10693,15 +10660,7 @@
             </a:r>
             <a:r>
               <a:rPr lang="ko-KR" altLang="en-US" dirty="0" smtClean="0"/>
-              <a:t> 이용해 </a:t>
-            </a:r>
-            <a:r>
-              <a:rPr lang="ko-KR" altLang="en-US" dirty="0" smtClean="0"/>
-              <a:t>출력 </a:t>
-            </a:r>
-            <a:r>
-              <a:rPr lang="ko-KR" altLang="en-US" dirty="0" smtClean="0"/>
-              <a:t>결과를 비교해보자</a:t>
+              <a:t> 이용해 출력 결과를 비교해보자</a:t>
             </a:r>
             <a:r>
               <a:rPr lang="en-US" altLang="ko-KR" dirty="0" smtClean="0"/>
@@ -12131,6 +12090,13 @@
   <p:clrMapOvr>
     <a:masterClrMapping/>
   </p:clrMapOvr>
+  <p:timing>
+    <p:tnLst>
+      <p:par>
+        <p:cTn id="1" dur="indefinite" restart="never" nodeType="tmRoot"/>
+      </p:par>
+    </p:tnLst>
+  </p:timing>
 </p:sld>
 </file>
 
@@ -12589,21 +12555,21 @@
                 <a:gridCol w="1142299">
                   <a:extLst>
                     <a:ext uri="{9D8B030D-6E8A-4147-A177-3AD203B41FA5}">
-                      <a16:colId xmlns:a16="http://schemas.microsoft.com/office/drawing/2014/main" val="2711438018"/>
+                      <a16:colId xmlns:a16="http://schemas.microsoft.com/office/drawing/2014/main" xmlns="" val="2711438018"/>
                     </a:ext>
                   </a:extLst>
                 </a:gridCol>
                 <a:gridCol w="1368101">
                   <a:extLst>
                     <a:ext uri="{9D8B030D-6E8A-4147-A177-3AD203B41FA5}">
-                      <a16:colId xmlns:a16="http://schemas.microsoft.com/office/drawing/2014/main" val="1860340537"/>
+                      <a16:colId xmlns:a16="http://schemas.microsoft.com/office/drawing/2014/main" xmlns="" val="1860340537"/>
                     </a:ext>
                   </a:extLst>
                 </a:gridCol>
                 <a:gridCol w="2988569">
                   <a:extLst>
                     <a:ext uri="{9D8B030D-6E8A-4147-A177-3AD203B41FA5}">
-                      <a16:colId xmlns:a16="http://schemas.microsoft.com/office/drawing/2014/main" val="3530970062"/>
+                      <a16:colId xmlns:a16="http://schemas.microsoft.com/office/drawing/2014/main" xmlns="" val="3530970062"/>
                     </a:ext>
                   </a:extLst>
                 </a:gridCol>
@@ -12677,7 +12643,7 @@
                 </a:tc>
                 <a:extLst>
                   <a:ext uri="{0D108BD9-81ED-4DB2-BD59-A6C34878D82A}">
-                    <a16:rowId xmlns:a16="http://schemas.microsoft.com/office/drawing/2014/main" val="3957152342"/>
+                    <a16:rowId xmlns:a16="http://schemas.microsoft.com/office/drawing/2014/main" xmlns="" val="3957152342"/>
                   </a:ext>
                 </a:extLst>
               </a:tr>
@@ -12746,7 +12712,7 @@
                 </a:tc>
                 <a:extLst>
                   <a:ext uri="{0D108BD9-81ED-4DB2-BD59-A6C34878D82A}">
-                    <a16:rowId xmlns:a16="http://schemas.microsoft.com/office/drawing/2014/main" val="1664680358"/>
+                    <a16:rowId xmlns:a16="http://schemas.microsoft.com/office/drawing/2014/main" xmlns="" val="1664680358"/>
                   </a:ext>
                 </a:extLst>
               </a:tr>
@@ -12823,7 +12789,7 @@
                 </a:tc>
                 <a:extLst>
                   <a:ext uri="{0D108BD9-81ED-4DB2-BD59-A6C34878D82A}">
-                    <a16:rowId xmlns:a16="http://schemas.microsoft.com/office/drawing/2014/main" val="1132666701"/>
+                    <a16:rowId xmlns:a16="http://schemas.microsoft.com/office/drawing/2014/main" xmlns="" val="1132666701"/>
                   </a:ext>
                 </a:extLst>
               </a:tr>
@@ -12892,7 +12858,7 @@
                 </a:tc>
                 <a:extLst>
                   <a:ext uri="{0D108BD9-81ED-4DB2-BD59-A6C34878D82A}">
-                    <a16:rowId xmlns:a16="http://schemas.microsoft.com/office/drawing/2014/main" val="2921704670"/>
+                    <a16:rowId xmlns:a16="http://schemas.microsoft.com/office/drawing/2014/main" xmlns="" val="2921704670"/>
                   </a:ext>
                 </a:extLst>
               </a:tr>
@@ -12961,7 +12927,7 @@
                 </a:tc>
                 <a:extLst>
                   <a:ext uri="{0D108BD9-81ED-4DB2-BD59-A6C34878D82A}">
-                    <a16:rowId xmlns:a16="http://schemas.microsoft.com/office/drawing/2014/main" val="340062013"/>
+                    <a16:rowId xmlns:a16="http://schemas.microsoft.com/office/drawing/2014/main" xmlns="" val="340062013"/>
                   </a:ext>
                 </a:extLst>
               </a:tr>
@@ -13034,7 +13000,7 @@
                 </a:tc>
                 <a:extLst>
                   <a:ext uri="{0D108BD9-81ED-4DB2-BD59-A6C34878D82A}">
-                    <a16:rowId xmlns:a16="http://schemas.microsoft.com/office/drawing/2014/main" val="1160836604"/>
+                    <a16:rowId xmlns:a16="http://schemas.microsoft.com/office/drawing/2014/main" xmlns="" val="1160836604"/>
                   </a:ext>
                 </a:extLst>
               </a:tr>
@@ -13103,7 +13069,7 @@
                 </a:tc>
                 <a:extLst>
                   <a:ext uri="{0D108BD9-81ED-4DB2-BD59-A6C34878D82A}">
-                    <a16:rowId xmlns:a16="http://schemas.microsoft.com/office/drawing/2014/main" val="3447074883"/>
+                    <a16:rowId xmlns:a16="http://schemas.microsoft.com/office/drawing/2014/main" xmlns="" val="3447074883"/>
                   </a:ext>
                 </a:extLst>
               </a:tr>
@@ -13172,7 +13138,7 @@
                 </a:tc>
                 <a:extLst>
                   <a:ext uri="{0D108BD9-81ED-4DB2-BD59-A6C34878D82A}">
-                    <a16:rowId xmlns:a16="http://schemas.microsoft.com/office/drawing/2014/main" val="3530555047"/>
+                    <a16:rowId xmlns:a16="http://schemas.microsoft.com/office/drawing/2014/main" xmlns="" val="3530555047"/>
                   </a:ext>
                 </a:extLst>
               </a:tr>
@@ -13295,6 +13261,13 @@
   <p:clrMapOvr>
     <a:masterClrMapping/>
   </p:clrMapOvr>
+  <p:timing>
+    <p:tnLst>
+      <p:par>
+        <p:cTn id="1" dur="indefinite" restart="never" nodeType="tmRoot"/>
+      </p:par>
+    </p:tnLst>
+  </p:timing>
 </p:sld>
 </file>
 
@@ -14051,13 +14024,8 @@
             </a:r>
             <a:r>
               <a:rPr lang="en-US" altLang="ko-KR" dirty="0" smtClean="0"/>
-              <a:t> = 5/2</a:t>
-            </a:r>
-            <a:r>
-              <a:rPr lang="en-US" altLang="ko-KR" dirty="0" smtClean="0"/>
-              <a:t>; </a:t>
-            </a:r>
-            <a:endParaRPr lang="en-US" altLang="ko-KR" dirty="0" smtClean="0"/>
+              <a:t> = 5/2; </a:t>
+            </a:r>
           </a:p>
           <a:p>
             <a:pPr marL="0" indent="0">
@@ -14144,14 +14112,14 @@
                 <a:gridCol w="2327309">
                   <a:extLst>
                     <a:ext uri="{9D8B030D-6E8A-4147-A177-3AD203B41FA5}">
-                      <a16:colId xmlns:a16="http://schemas.microsoft.com/office/drawing/2014/main" val="2156887075"/>
+                      <a16:colId xmlns:a16="http://schemas.microsoft.com/office/drawing/2014/main" xmlns="" val="2156887075"/>
                     </a:ext>
                   </a:extLst>
                 </a:gridCol>
                 <a:gridCol w="2327309">
                   <a:extLst>
                     <a:ext uri="{9D8B030D-6E8A-4147-A177-3AD203B41FA5}">
-                      <a16:colId xmlns:a16="http://schemas.microsoft.com/office/drawing/2014/main" val="4118004302"/>
+                      <a16:colId xmlns:a16="http://schemas.microsoft.com/office/drawing/2014/main" xmlns="" val="4118004302"/>
                     </a:ext>
                   </a:extLst>
                 </a:gridCol>
@@ -14211,7 +14179,7 @@
                 </a:tc>
                 <a:extLst>
                   <a:ext uri="{0D108BD9-81ED-4DB2-BD59-A6C34878D82A}">
-                    <a16:rowId xmlns:a16="http://schemas.microsoft.com/office/drawing/2014/main" val="1327566299"/>
+                    <a16:rowId xmlns:a16="http://schemas.microsoft.com/office/drawing/2014/main" xmlns="" val="1327566299"/>
                   </a:ext>
                 </a:extLst>
               </a:tr>
@@ -14248,7 +14216,7 @@
                 </a:tc>
                 <a:extLst>
                   <a:ext uri="{0D108BD9-81ED-4DB2-BD59-A6C34878D82A}">
-                    <a16:rowId xmlns:a16="http://schemas.microsoft.com/office/drawing/2014/main" val="3374601059"/>
+                    <a16:rowId xmlns:a16="http://schemas.microsoft.com/office/drawing/2014/main" xmlns="" val="3374601059"/>
                   </a:ext>
                 </a:extLst>
               </a:tr>
@@ -14442,19 +14410,11 @@
             </a:r>
             <a:r>
               <a:rPr lang="en-US" altLang="ko-KR" dirty="0" err="1" smtClean="0"/>
-              <a:t>s</a:t>
-            </a:r>
-            <a:r>
-              <a:rPr lang="en-US" altLang="ko-KR" dirty="0" err="1" smtClean="0"/>
-              <a:t>tr</a:t>
-            </a:r>
-            <a:r>
-              <a:rPr lang="en-US" altLang="ko-KR" dirty="0" smtClean="0"/>
-              <a:t>[1</a:t>
-            </a:r>
-            <a:r>
-              <a:rPr lang="en-US" altLang="ko-KR" dirty="0" smtClean="0"/>
-              <a:t>] = ‘a’;</a:t>
+              <a:t>str</a:t>
+            </a:r>
+            <a:r>
+              <a:rPr lang="en-US" altLang="ko-KR" dirty="0" smtClean="0"/>
+              <a:t>[1] = ‘a’;</a:t>
             </a:r>
           </a:p>
           <a:p>
@@ -14486,11 +14446,7 @@
             </a:pPr>
             <a:r>
               <a:rPr lang="ko-KR" altLang="en-US" dirty="0" smtClean="0"/>
-              <a:t>한번 </a:t>
-            </a:r>
-            <a:r>
-              <a:rPr lang="ko-KR" altLang="en-US" dirty="0" smtClean="0"/>
-              <a:t>생성된 문자열은 읽기만 가능할 뿐 수정할 수 없다</a:t>
+              <a:t>한번 생성된 문자열은 읽기만 가능할 뿐 수정할 수 없다</a:t>
             </a:r>
             <a:r>
               <a:rPr lang="en-US" altLang="ko-KR" dirty="0" smtClean="0"/>
